--- a/Business/President Achrives/Presentation/Finance Incentive Program.pptx
+++ b/Business/President Achrives/Presentation/Finance Incentive Program.pptx
@@ -5,7 +5,7 @@
     <p:sldMasterId id="2147483768" r:id="rId1"/>
   </p:sldMasterIdLst>
   <p:notesMasterIdLst>
-    <p:notesMasterId r:id="rId10"/>
+    <p:notesMasterId r:id="rId9"/>
   </p:notesMasterIdLst>
   <p:sldIdLst>
     <p:sldId id="257" r:id="rId2"/>
@@ -14,8 +14,7 @@
     <p:sldId id="260" r:id="rId5"/>
     <p:sldId id="261" r:id="rId6"/>
     <p:sldId id="262" r:id="rId7"/>
-    <p:sldId id="263" r:id="rId8"/>
-    <p:sldId id="264" r:id="rId9"/>
+    <p:sldId id="264" r:id="rId8"/>
   </p:sldIdLst>
   <p:sldSz cx="12192000" cy="6858000"/>
   <p:notesSz cx="6858000" cy="9144000"/>
@@ -204,7 +203,7 @@
           <a:p>
             <a:fld id="{79C6A49C-1803-4A28-8D90-751DD6DAEE6E}" type="datetimeFigureOut">
               <a:rPr lang="en-US" smtClean="0"/>
-              <a:t>9/9/2019</a:t>
+              <a:t>11/20/2019</a:t>
             </a:fld>
             <a:endParaRPr lang="en-US"/>
           </a:p>
@@ -656,7 +655,7 @@
           <a:p>
             <a:fld id="{DC4FF77B-AB05-463F-8388-E3EF4DCD9159}" type="datetimeFigureOut">
               <a:rPr lang="en-US" smtClean="0"/>
-              <a:t>9/9/2019</a:t>
+              <a:t>11/20/2019</a:t>
             </a:fld>
             <a:endParaRPr lang="en-US"/>
           </a:p>
@@ -954,7 +953,7 @@
           <a:p>
             <a:fld id="{DC4FF77B-AB05-463F-8388-E3EF4DCD9159}" type="datetimeFigureOut">
               <a:rPr lang="en-US" smtClean="0"/>
-              <a:t>9/9/2019</a:t>
+              <a:t>11/20/2019</a:t>
             </a:fld>
             <a:endParaRPr lang="en-US"/>
           </a:p>
@@ -1146,7 +1145,7 @@
           <a:p>
             <a:fld id="{DC4FF77B-AB05-463F-8388-E3EF4DCD9159}" type="datetimeFigureOut">
               <a:rPr lang="en-US" smtClean="0"/>
-              <a:t>9/9/2019</a:t>
+              <a:t>11/20/2019</a:t>
             </a:fld>
             <a:endParaRPr lang="en-US"/>
           </a:p>
@@ -1407,7 +1406,7 @@
           <a:p>
             <a:fld id="{DC4FF77B-AB05-463F-8388-E3EF4DCD9159}" type="datetimeFigureOut">
               <a:rPr lang="en-US" smtClean="0"/>
-              <a:t>9/9/2019</a:t>
+              <a:t>11/20/2019</a:t>
             </a:fld>
             <a:endParaRPr lang="en-US"/>
           </a:p>
@@ -1831,7 +1830,7 @@
           <a:p>
             <a:fld id="{DC4FF77B-AB05-463F-8388-E3EF4DCD9159}" type="datetimeFigureOut">
               <a:rPr lang="en-US" smtClean="0"/>
-              <a:t>9/9/2019</a:t>
+              <a:t>11/20/2019</a:t>
             </a:fld>
             <a:endParaRPr lang="en-US"/>
           </a:p>
@@ -2368,7 +2367,7 @@
           <a:p>
             <a:fld id="{DC4FF77B-AB05-463F-8388-E3EF4DCD9159}" type="datetimeFigureOut">
               <a:rPr lang="en-US" smtClean="0"/>
-              <a:t>9/9/2019</a:t>
+              <a:t>11/20/2019</a:t>
             </a:fld>
             <a:endParaRPr lang="en-US"/>
           </a:p>
@@ -3232,7 +3231,7 @@
           <a:p>
             <a:fld id="{DC4FF77B-AB05-463F-8388-E3EF4DCD9159}" type="datetimeFigureOut">
               <a:rPr lang="en-US" smtClean="0"/>
-              <a:t>9/9/2019</a:t>
+              <a:t>11/20/2019</a:t>
             </a:fld>
             <a:endParaRPr lang="en-US"/>
           </a:p>
@@ -3402,7 +3401,7 @@
           <a:p>
             <a:fld id="{DC4FF77B-AB05-463F-8388-E3EF4DCD9159}" type="datetimeFigureOut">
               <a:rPr lang="en-US" smtClean="0"/>
-              <a:t>9/9/2019</a:t>
+              <a:t>11/20/2019</a:t>
             </a:fld>
             <a:endParaRPr lang="en-US"/>
           </a:p>
@@ -3586,7 +3585,7 @@
           <a:p>
             <a:fld id="{DC4FF77B-AB05-463F-8388-E3EF4DCD9159}" type="datetimeFigureOut">
               <a:rPr lang="en-US" smtClean="0"/>
-              <a:t>9/9/2019</a:t>
+              <a:t>11/20/2019</a:t>
             </a:fld>
             <a:endParaRPr lang="en-US"/>
           </a:p>
@@ -3756,7 +3755,7 @@
           <a:p>
             <a:fld id="{DC4FF77B-AB05-463F-8388-E3EF4DCD9159}" type="datetimeFigureOut">
               <a:rPr lang="en-US" smtClean="0"/>
-              <a:t>9/9/2019</a:t>
+              <a:t>11/20/2019</a:t>
             </a:fld>
             <a:endParaRPr lang="en-US"/>
           </a:p>
@@ -4000,7 +3999,7 @@
           <a:p>
             <a:fld id="{DC4FF77B-AB05-463F-8388-E3EF4DCD9159}" type="datetimeFigureOut">
               <a:rPr lang="en-US" smtClean="0"/>
-              <a:t>9/9/2019</a:t>
+              <a:t>11/20/2019</a:t>
             </a:fld>
             <a:endParaRPr lang="en-US"/>
           </a:p>
@@ -4236,7 +4235,7 @@
           <a:p>
             <a:fld id="{DC4FF77B-AB05-463F-8388-E3EF4DCD9159}" type="datetimeFigureOut">
               <a:rPr lang="en-US" smtClean="0"/>
-              <a:t>9/9/2019</a:t>
+              <a:t>11/20/2019</a:t>
             </a:fld>
             <a:endParaRPr lang="en-US"/>
           </a:p>
@@ -4702,7 +4701,7 @@
           <a:p>
             <a:fld id="{DC4FF77B-AB05-463F-8388-E3EF4DCD9159}" type="datetimeFigureOut">
               <a:rPr lang="en-US" smtClean="0"/>
-              <a:t>9/9/2019</a:t>
+              <a:t>11/20/2019</a:t>
             </a:fld>
             <a:endParaRPr lang="en-US"/>
           </a:p>
@@ -4820,7 +4819,7 @@
           <a:p>
             <a:fld id="{DC4FF77B-AB05-463F-8388-E3EF4DCD9159}" type="datetimeFigureOut">
               <a:rPr lang="en-US" smtClean="0"/>
-              <a:t>9/9/2019</a:t>
+              <a:t>11/20/2019</a:t>
             </a:fld>
             <a:endParaRPr lang="en-US"/>
           </a:p>
@@ -4915,7 +4914,7 @@
           <a:p>
             <a:fld id="{DC4FF77B-AB05-463F-8388-E3EF4DCD9159}" type="datetimeFigureOut">
               <a:rPr lang="en-US" smtClean="0"/>
-              <a:t>9/9/2019</a:t>
+              <a:t>11/20/2019</a:t>
             </a:fld>
             <a:endParaRPr lang="en-US"/>
           </a:p>
@@ -5170,7 +5169,7 @@
           <a:p>
             <a:fld id="{DC4FF77B-AB05-463F-8388-E3EF4DCD9159}" type="datetimeFigureOut">
               <a:rPr lang="en-US" smtClean="0"/>
-              <a:t>9/9/2019</a:t>
+              <a:t>11/20/2019</a:t>
             </a:fld>
             <a:endParaRPr lang="en-US"/>
           </a:p>
@@ -5470,7 +5469,7 @@
           <a:p>
             <a:fld id="{DC4FF77B-AB05-463F-8388-E3EF4DCD9159}" type="datetimeFigureOut">
               <a:rPr lang="en-US" smtClean="0"/>
-              <a:t>9/9/2019</a:t>
+              <a:t>11/20/2019</a:t>
             </a:fld>
             <a:endParaRPr lang="en-US"/>
           </a:p>
@@ -5704,7 +5703,7 @@
           <a:p>
             <a:fld id="{DC4FF77B-AB05-463F-8388-E3EF4DCD9159}" type="datetimeFigureOut">
               <a:rPr lang="en-US" smtClean="0"/>
-              <a:t>9/9/2019</a:t>
+              <a:t>11/20/2019</a:t>
             </a:fld>
             <a:endParaRPr lang="en-US"/>
           </a:p>
@@ -8136,7 +8135,7 @@
         <p:spPr>
           <a:xfrm>
             <a:off x="341686" y="420496"/>
-            <a:ext cx="6481145" cy="923330"/>
+            <a:ext cx="7792916" cy="923330"/>
           </a:xfrm>
           <a:prstGeom prst="rect">
             <a:avLst/>
@@ -8163,7 +8162,7 @@
                   </a:outerShdw>
                 </a:effectLst>
               </a:rPr>
-              <a:t>Level 2 - $8,000 Total</a:t>
+              <a:t>Level 2 - $10,000 Total</a:t>
             </a:r>
             <a:endParaRPr lang="en-US" sz="5400" b="0" cap="none" spc="0" dirty="0">
               <a:ln w="0"/>
@@ -8683,7 +8682,7 @@
                   </a:outerShdw>
                 </a:effectLst>
               </a:rPr>
-              <a:t>Level 3 - $15,000 Total</a:t>
+              <a:t>Level 3 - $20,000 Total</a:t>
             </a:r>
             <a:endParaRPr lang="en-US" sz="5400" b="0" cap="none" spc="0" dirty="0">
               <a:ln w="0"/>
@@ -9232,7 +9231,7 @@
                   </a:outerShdw>
                 </a:effectLst>
               </a:rPr>
-              <a:t>Level 4 - $25,000 Total</a:t>
+              <a:t>Level 4 - $30,000 Total</a:t>
             </a:r>
             <a:endParaRPr lang="en-US" sz="5400" b="0" cap="none" spc="0" dirty="0">
               <a:ln w="0"/>
@@ -9399,558 +9398,6 @@
 </file>
 
 <file path=ppt/slides/slide7.xml><?xml version="1.0" encoding="utf-8"?>
-<p:sld xmlns:a="http://schemas.openxmlformats.org/drawingml/2006/main" xmlns:r="http://schemas.openxmlformats.org/officeDocument/2006/relationships" xmlns:p="http://schemas.openxmlformats.org/presentationml/2006/main">
-  <p:cSld>
-    <p:spTree>
-      <p:nvGrpSpPr>
-        <p:cNvPr id="1" name=""/>
-        <p:cNvGrpSpPr/>
-        <p:nvPr/>
-      </p:nvGrpSpPr>
-      <p:grpSpPr>
-        <a:xfrm>
-          <a:off x="0" y="0"/>
-          <a:ext cx="0" cy="0"/>
-          <a:chOff x="0" y="0"/>
-          <a:chExt cx="0" cy="0"/>
-        </a:xfrm>
-      </p:grpSpPr>
-      <p:grpSp>
-        <p:nvGrpSpPr>
-          <p:cNvPr id="5" name="Group 4"/>
-          <p:cNvGrpSpPr/>
-          <p:nvPr/>
-        </p:nvGrpSpPr>
-        <p:grpSpPr>
-          <a:xfrm>
-            <a:off x="-1" y="5853722"/>
-            <a:ext cx="12192001" cy="1004277"/>
-            <a:chOff x="0" y="2667000"/>
-            <a:chExt cx="12192001" cy="1524000"/>
-          </a:xfrm>
-        </p:grpSpPr>
-        <p:pic>
-          <p:nvPicPr>
-            <p:cNvPr id="6" name="Picture 2" descr="Image result for starry night background"/>
-            <p:cNvPicPr>
-              <a:picLocks noChangeAspect="1" noChangeArrowheads="1"/>
-            </p:cNvPicPr>
-            <p:nvPr/>
-          </p:nvPicPr>
-          <p:blipFill rotWithShape="1">
-            <a:blip r:embed="rId2" cstate="print">
-              <a:extLst>
-                <a:ext uri="{28A0092B-C50C-407E-A947-70E740481C1C}">
-                  <a14:useLocalDpi xmlns:a14="http://schemas.microsoft.com/office/drawing/2010/main" val="0"/>
-                </a:ext>
-              </a:extLst>
-            </a:blip>
-            <a:srcRect t="77212"/>
-            <a:stretch/>
-          </p:blipFill>
-          <p:spPr bwMode="auto">
-            <a:xfrm>
-              <a:off x="0" y="2667000"/>
-              <a:ext cx="12192000" cy="1524000"/>
-            </a:xfrm>
-            <a:prstGeom prst="rect">
-              <a:avLst/>
-            </a:prstGeom>
-            <a:noFill/>
-            <a:extLst>
-              <a:ext uri="{909E8E84-426E-40DD-AFC4-6F175D3DCCD1}">
-                <a14:hiddenFill xmlns:a14="http://schemas.microsoft.com/office/drawing/2010/main">
-                  <a:solidFill>
-                    <a:srgbClr val="FFFFFF"/>
-                  </a:solidFill>
-                </a14:hiddenFill>
-              </a:ext>
-            </a:extLst>
-          </p:spPr>
-        </p:pic>
-        <p:pic>
-          <p:nvPicPr>
-            <p:cNvPr id="7" name="Picture 6"/>
-            <p:cNvPicPr>
-              <a:picLocks noChangeAspect="1"/>
-            </p:cNvPicPr>
-            <p:nvPr/>
-          </p:nvPicPr>
-          <p:blipFill>
-            <a:blip r:embed="rId3" cstate="print">
-              <a:clrChange>
-                <a:clrFrom>
-                  <a:srgbClr val="000000"/>
-                </a:clrFrom>
-                <a:clrTo>
-                  <a:srgbClr val="000000">
-                    <a:alpha val="0"/>
-                  </a:srgbClr>
-                </a:clrTo>
-              </a:clrChange>
-              <a:biLevel thresh="25000"/>
-              <a:extLst>
-                <a:ext uri="{28A0092B-C50C-407E-A947-70E740481C1C}">
-                  <a14:useLocalDpi xmlns:a14="http://schemas.microsoft.com/office/drawing/2010/main" val="0"/>
-                </a:ext>
-              </a:extLst>
-            </a:blip>
-            <a:stretch>
-              <a:fillRect/>
-            </a:stretch>
-          </p:blipFill>
-          <p:spPr>
-            <a:xfrm>
-              <a:off x="1081507" y="2755764"/>
-              <a:ext cx="1755480" cy="1346470"/>
-            </a:xfrm>
-            <a:prstGeom prst="rect">
-              <a:avLst/>
-            </a:prstGeom>
-            <a:effectLst/>
-          </p:spPr>
-        </p:pic>
-        <p:sp>
-          <p:nvSpPr>
-            <p:cNvPr id="8" name="Subtitle 2"/>
-            <p:cNvSpPr txBox="1">
-              <a:spLocks/>
-            </p:cNvSpPr>
-            <p:nvPr/>
-          </p:nvSpPr>
-          <p:spPr>
-            <a:xfrm>
-              <a:off x="4644466" y="2755764"/>
-              <a:ext cx="7547535" cy="812006"/>
-            </a:xfrm>
-            <a:prstGeom prst="rect">
-              <a:avLst/>
-            </a:prstGeom>
-          </p:spPr>
-          <p:txBody>
-            <a:bodyPr vert="horz" lIns="152400" tIns="76200" rIns="152400" bIns="76200" rtlCol="0">
-              <a:noAutofit/>
-            </a:bodyPr>
-            <a:lstStyle>
-              <a:lvl1pPr marL="0" indent="0" algn="ctr" defTabSz="121890" rtl="0" eaLnBrk="1" latinLnBrk="0" hangingPunct="1">
-                <a:lnSpc>
-                  <a:spcPct val="90000"/>
-                </a:lnSpc>
-                <a:spcBef>
-                  <a:spcPts val="133"/>
-                </a:spcBef>
-                <a:buFont typeface="Arial" panose="020B0604020202020204" pitchFamily="34" charset="0"/>
-                <a:buNone/>
-                <a:defRPr sz="320" kern="1200">
-                  <a:solidFill>
-                    <a:schemeClr val="tx1"/>
-                  </a:solidFill>
-                  <a:latin typeface="+mn-lt"/>
-                  <a:ea typeface="+mn-ea"/>
-                  <a:cs typeface="+mn-cs"/>
-                </a:defRPr>
-              </a:lvl1pPr>
-              <a:lvl2pPr marL="60945" indent="0" algn="ctr" defTabSz="121890" rtl="0" eaLnBrk="1" latinLnBrk="0" hangingPunct="1">
-                <a:lnSpc>
-                  <a:spcPct val="90000"/>
-                </a:lnSpc>
-                <a:spcBef>
-                  <a:spcPts val="67"/>
-                </a:spcBef>
-                <a:buFont typeface="Arial" panose="020B0604020202020204" pitchFamily="34" charset="0"/>
-                <a:buNone/>
-                <a:defRPr sz="267" kern="1200">
-                  <a:solidFill>
-                    <a:schemeClr val="tx1"/>
-                  </a:solidFill>
-                  <a:latin typeface="+mn-lt"/>
-                  <a:ea typeface="+mn-ea"/>
-                  <a:cs typeface="+mn-cs"/>
-                </a:defRPr>
-              </a:lvl2pPr>
-              <a:lvl3pPr marL="121890" indent="0" algn="ctr" defTabSz="121890" rtl="0" eaLnBrk="1" latinLnBrk="0" hangingPunct="1">
-                <a:lnSpc>
-                  <a:spcPct val="90000"/>
-                </a:lnSpc>
-                <a:spcBef>
-                  <a:spcPts val="67"/>
-                </a:spcBef>
-                <a:buFont typeface="Arial" panose="020B0604020202020204" pitchFamily="34" charset="0"/>
-                <a:buNone/>
-                <a:defRPr sz="240" kern="1200">
-                  <a:solidFill>
-                    <a:schemeClr val="tx1"/>
-                  </a:solidFill>
-                  <a:latin typeface="+mn-lt"/>
-                  <a:ea typeface="+mn-ea"/>
-                  <a:cs typeface="+mn-cs"/>
-                </a:defRPr>
-              </a:lvl3pPr>
-              <a:lvl4pPr marL="182834" indent="0" algn="ctr" defTabSz="121890" rtl="0" eaLnBrk="1" latinLnBrk="0" hangingPunct="1">
-                <a:lnSpc>
-                  <a:spcPct val="90000"/>
-                </a:lnSpc>
-                <a:spcBef>
-                  <a:spcPts val="67"/>
-                </a:spcBef>
-                <a:buFont typeface="Arial" panose="020B0604020202020204" pitchFamily="34" charset="0"/>
-                <a:buNone/>
-                <a:defRPr sz="213" kern="1200">
-                  <a:solidFill>
-                    <a:schemeClr val="tx1"/>
-                  </a:solidFill>
-                  <a:latin typeface="+mn-lt"/>
-                  <a:ea typeface="+mn-ea"/>
-                  <a:cs typeface="+mn-cs"/>
-                </a:defRPr>
-              </a:lvl4pPr>
-              <a:lvl5pPr marL="243779" indent="0" algn="ctr" defTabSz="121890" rtl="0" eaLnBrk="1" latinLnBrk="0" hangingPunct="1">
-                <a:lnSpc>
-                  <a:spcPct val="90000"/>
-                </a:lnSpc>
-                <a:spcBef>
-                  <a:spcPts val="67"/>
-                </a:spcBef>
-                <a:buFont typeface="Arial" panose="020B0604020202020204" pitchFamily="34" charset="0"/>
-                <a:buNone/>
-                <a:defRPr sz="213" kern="1200">
-                  <a:solidFill>
-                    <a:schemeClr val="tx1"/>
-                  </a:solidFill>
-                  <a:latin typeface="+mn-lt"/>
-                  <a:ea typeface="+mn-ea"/>
-                  <a:cs typeface="+mn-cs"/>
-                </a:defRPr>
-              </a:lvl5pPr>
-              <a:lvl6pPr marL="304724" indent="0" algn="ctr" defTabSz="121890" rtl="0" eaLnBrk="1" latinLnBrk="0" hangingPunct="1">
-                <a:lnSpc>
-                  <a:spcPct val="90000"/>
-                </a:lnSpc>
-                <a:spcBef>
-                  <a:spcPts val="67"/>
-                </a:spcBef>
-                <a:buFont typeface="Arial" panose="020B0604020202020204" pitchFamily="34" charset="0"/>
-                <a:buNone/>
-                <a:defRPr sz="213" kern="1200">
-                  <a:solidFill>
-                    <a:schemeClr val="tx1"/>
-                  </a:solidFill>
-                  <a:latin typeface="+mn-lt"/>
-                  <a:ea typeface="+mn-ea"/>
-                  <a:cs typeface="+mn-cs"/>
-                </a:defRPr>
-              </a:lvl6pPr>
-              <a:lvl7pPr marL="365669" indent="0" algn="ctr" defTabSz="121890" rtl="0" eaLnBrk="1" latinLnBrk="0" hangingPunct="1">
-                <a:lnSpc>
-                  <a:spcPct val="90000"/>
-                </a:lnSpc>
-                <a:spcBef>
-                  <a:spcPts val="67"/>
-                </a:spcBef>
-                <a:buFont typeface="Arial" panose="020B0604020202020204" pitchFamily="34" charset="0"/>
-                <a:buNone/>
-                <a:defRPr sz="213" kern="1200">
-                  <a:solidFill>
-                    <a:schemeClr val="tx1"/>
-                  </a:solidFill>
-                  <a:latin typeface="+mn-lt"/>
-                  <a:ea typeface="+mn-ea"/>
-                  <a:cs typeface="+mn-cs"/>
-                </a:defRPr>
-              </a:lvl7pPr>
-              <a:lvl8pPr marL="426613" indent="0" algn="ctr" defTabSz="121890" rtl="0" eaLnBrk="1" latinLnBrk="0" hangingPunct="1">
-                <a:lnSpc>
-                  <a:spcPct val="90000"/>
-                </a:lnSpc>
-                <a:spcBef>
-                  <a:spcPts val="67"/>
-                </a:spcBef>
-                <a:buFont typeface="Arial" panose="020B0604020202020204" pitchFamily="34" charset="0"/>
-                <a:buNone/>
-                <a:defRPr sz="213" kern="1200">
-                  <a:solidFill>
-                    <a:schemeClr val="tx1"/>
-                  </a:solidFill>
-                  <a:latin typeface="+mn-lt"/>
-                  <a:ea typeface="+mn-ea"/>
-                  <a:cs typeface="+mn-cs"/>
-                </a:defRPr>
-              </a:lvl8pPr>
-              <a:lvl9pPr marL="487558" indent="0" algn="ctr" defTabSz="121890" rtl="0" eaLnBrk="1" latinLnBrk="0" hangingPunct="1">
-                <a:lnSpc>
-                  <a:spcPct val="90000"/>
-                </a:lnSpc>
-                <a:spcBef>
-                  <a:spcPts val="67"/>
-                </a:spcBef>
-                <a:buFont typeface="Arial" panose="020B0604020202020204" pitchFamily="34" charset="0"/>
-                <a:buNone/>
-                <a:defRPr sz="213" kern="1200">
-                  <a:solidFill>
-                    <a:schemeClr val="tx1"/>
-                  </a:solidFill>
-                  <a:latin typeface="+mn-lt"/>
-                  <a:ea typeface="+mn-ea"/>
-                  <a:cs typeface="+mn-cs"/>
-                </a:defRPr>
-              </a:lvl9pPr>
-            </a:lstStyle>
-            <a:p>
-              <a:r>
-                <a:rPr lang="en-US" sz="2333" b="1" dirty="0">
-                  <a:latin typeface="Calibri" panose="020F0502020204030204" pitchFamily="34" charset="0"/>
-                  <a:cs typeface="Calibri" panose="020F0502020204030204" pitchFamily="34" charset="0"/>
-                </a:rPr>
-                <a:t>University of New Hampshire</a:t>
-              </a:r>
-            </a:p>
-            <a:p>
-              <a:r>
-                <a:rPr lang="en-US" sz="2333" b="1" dirty="0">
-                  <a:latin typeface="Calibri" panose="020F0502020204030204" pitchFamily="34" charset="0"/>
-                  <a:cs typeface="Calibri" panose="020F0502020204030204" pitchFamily="34" charset="0"/>
-                </a:rPr>
-                <a:t>Students for the Exploration and Development of Space</a:t>
-              </a:r>
-            </a:p>
-          </p:txBody>
-        </p:sp>
-      </p:grpSp>
-      <p:sp>
-        <p:nvSpPr>
-          <p:cNvPr id="12" name="Rectangle 11"/>
-          <p:cNvSpPr/>
-          <p:nvPr/>
-        </p:nvSpPr>
-        <p:spPr>
-          <a:xfrm>
-            <a:off x="341686" y="420496"/>
-            <a:ext cx="7237283" cy="923330"/>
-          </a:xfrm>
-          <a:prstGeom prst="rect">
-            <a:avLst/>
-          </a:prstGeom>
-          <a:noFill/>
-        </p:spPr>
-        <p:txBody>
-          <a:bodyPr wrap="square" lIns="91440" tIns="45720" rIns="91440" bIns="45720">
-            <a:spAutoFit/>
-          </a:bodyPr>
-          <a:lstStyle/>
-          <a:p>
-            <a:r>
-              <a:rPr lang="en-US" sz="5400" dirty="0">
-                <a:ln w="0"/>
-                <a:solidFill>
-                  <a:schemeClr val="accent1"/>
-                </a:solidFill>
-                <a:effectLst>
-                  <a:outerShdw blurRad="38100" dist="25400" dir="5400000" algn="ctr" rotWithShape="0">
-                    <a:srgbClr val="6E747A">
-                      <a:alpha val="43000"/>
-                    </a:srgbClr>
-                  </a:outerShdw>
-                </a:effectLst>
-              </a:rPr>
-              <a:t>Level 5 </a:t>
-            </a:r>
-            <a:r>
-              <a:rPr lang="en-US" sz="5400">
-                <a:ln w="0"/>
-                <a:solidFill>
-                  <a:schemeClr val="accent1"/>
-                </a:solidFill>
-                <a:effectLst>
-                  <a:outerShdw blurRad="38100" dist="25400" dir="5400000" algn="ctr" rotWithShape="0">
-                    <a:srgbClr val="6E747A">
-                      <a:alpha val="43000"/>
-                    </a:srgbClr>
-                  </a:outerShdw>
-                </a:effectLst>
-              </a:rPr>
-              <a:t>- $30,000 </a:t>
-            </a:r>
-            <a:r>
-              <a:rPr lang="en-US" sz="5400" dirty="0">
-                <a:ln w="0"/>
-                <a:solidFill>
-                  <a:schemeClr val="accent1"/>
-                </a:solidFill>
-                <a:effectLst>
-                  <a:outerShdw blurRad="38100" dist="25400" dir="5400000" algn="ctr" rotWithShape="0">
-                    <a:srgbClr val="6E747A">
-                      <a:alpha val="43000"/>
-                    </a:srgbClr>
-                  </a:outerShdw>
-                </a:effectLst>
-              </a:rPr>
-              <a:t>Total</a:t>
-            </a:r>
-            <a:endParaRPr lang="en-US" sz="5400" b="0" cap="none" spc="0" dirty="0">
-              <a:ln w="0"/>
-              <a:solidFill>
-                <a:schemeClr val="accent1"/>
-              </a:solidFill>
-              <a:effectLst>
-                <a:outerShdw blurRad="38100" dist="25400" dir="5400000" algn="ctr" rotWithShape="0">
-                  <a:srgbClr val="6E747A">
-                    <a:alpha val="43000"/>
-                  </a:srgbClr>
-                </a:outerShdw>
-              </a:effectLst>
-            </a:endParaRPr>
-          </a:p>
-        </p:txBody>
-      </p:sp>
-      <p:sp>
-        <p:nvSpPr>
-          <p:cNvPr id="2" name="Rectangle 1"/>
-          <p:cNvSpPr/>
-          <p:nvPr/>
-        </p:nvSpPr>
-        <p:spPr>
-          <a:xfrm>
-            <a:off x="999391" y="2630003"/>
-            <a:ext cx="7036779" cy="707886"/>
-          </a:xfrm>
-          <a:prstGeom prst="rect">
-            <a:avLst/>
-          </a:prstGeom>
-        </p:spPr>
-        <p:txBody>
-          <a:bodyPr wrap="square">
-            <a:spAutoFit/>
-          </a:bodyPr>
-          <a:lstStyle/>
-          <a:p>
-            <a:r>
-              <a:rPr lang="en-US" sz="4000" dirty="0"/>
-              <a:t>I will do everything from above</a:t>
-            </a:r>
-          </a:p>
-        </p:txBody>
-      </p:sp>
-      <p:sp>
-        <p:nvSpPr>
-          <p:cNvPr id="9" name="TextBox 8"/>
-          <p:cNvSpPr txBox="1"/>
-          <p:nvPr/>
-        </p:nvSpPr>
-        <p:spPr>
-          <a:xfrm>
-            <a:off x="413238" y="1556238"/>
-            <a:ext cx="4686300" cy="369332"/>
-          </a:xfrm>
-          <a:prstGeom prst="rect">
-            <a:avLst/>
-          </a:prstGeom>
-          <a:noFill/>
-        </p:spPr>
-        <p:txBody>
-          <a:bodyPr wrap="square" rtlCol="0">
-            <a:spAutoFit/>
-          </a:bodyPr>
-          <a:lstStyle/>
-          <a:p>
-            <a:r>
-              <a:rPr lang="en-US" dirty="0"/>
-              <a:t>Charlie Pain Level: 6 out of 5</a:t>
-            </a:r>
-          </a:p>
-        </p:txBody>
-      </p:sp>
-    </p:spTree>
-    <p:extLst>
-      <p:ext uri="{BB962C8B-B14F-4D97-AF65-F5344CB8AC3E}">
-        <p14:creationId xmlns:p14="http://schemas.microsoft.com/office/powerpoint/2010/main" val="798032476"/>
-      </p:ext>
-    </p:extLst>
-  </p:cSld>
-  <p:clrMapOvr>
-    <a:masterClrMapping/>
-  </p:clrMapOvr>
-  <p:timing>
-    <p:tnLst>
-      <p:par>
-        <p:cTn id="1" dur="indefinite" restart="never" nodeType="tmRoot">
-          <p:childTnLst>
-            <p:seq concurrent="1" nextAc="seek">
-              <p:cTn id="2" dur="indefinite" nodeType="mainSeq">
-                <p:childTnLst>
-                  <p:par>
-                    <p:cTn id="3" fill="hold">
-                      <p:stCondLst>
-                        <p:cond delay="indefinite"/>
-                      </p:stCondLst>
-                      <p:childTnLst>
-                        <p:par>
-                          <p:cTn id="4" fill="hold">
-                            <p:stCondLst>
-                              <p:cond delay="0"/>
-                            </p:stCondLst>
-                            <p:childTnLst>
-                              <p:par>
-                                <p:cTn id="5" presetID="1" presetClass="entr" presetSubtype="0" fill="hold" grpId="0" nodeType="clickEffect">
-                                  <p:stCondLst>
-                                    <p:cond delay="0"/>
-                                  </p:stCondLst>
-                                  <p:childTnLst>
-                                    <p:set>
-                                      <p:cBhvr>
-                                        <p:cTn id="6" dur="1" fill="hold">
-                                          <p:stCondLst>
-                                            <p:cond delay="0"/>
-                                          </p:stCondLst>
-                                        </p:cTn>
-                                        <p:tgtEl>
-                                          <p:spTgt spid="2"/>
-                                        </p:tgtEl>
-                                        <p:attrNameLst>
-                                          <p:attrName>style.visibility</p:attrName>
-                                        </p:attrNameLst>
-                                      </p:cBhvr>
-                                      <p:to>
-                                        <p:strVal val="visible"/>
-                                      </p:to>
-                                    </p:set>
-                                  </p:childTnLst>
-                                </p:cTn>
-                              </p:par>
-                            </p:childTnLst>
-                          </p:cTn>
-                        </p:par>
-                      </p:childTnLst>
-                    </p:cTn>
-                  </p:par>
-                </p:childTnLst>
-              </p:cTn>
-              <p:prevCondLst>
-                <p:cond evt="onPrev" delay="0">
-                  <p:tgtEl>
-                    <p:sldTgt/>
-                  </p:tgtEl>
-                </p:cond>
-              </p:prevCondLst>
-              <p:nextCondLst>
-                <p:cond evt="onNext" delay="0">
-                  <p:tgtEl>
-                    <p:sldTgt/>
-                  </p:tgtEl>
-                </p:cond>
-              </p:nextCondLst>
-            </p:seq>
-          </p:childTnLst>
-        </p:cTn>
-      </p:par>
-    </p:tnLst>
-    <p:bldLst>
-      <p:bldP spid="2" grpId="0"/>
-    </p:bldLst>
-  </p:timing>
-</p:sld>
-</file>
-
-<file path=ppt/slides/slide8.xml><?xml version="1.0" encoding="utf-8"?>
 <p:sld xmlns:a="http://schemas.openxmlformats.org/drawingml/2006/main" xmlns:r="http://schemas.openxmlformats.org/officeDocument/2006/relationships" xmlns:p="http://schemas.openxmlformats.org/presentationml/2006/main">
   <p:cSld>
     <p:spTree>
